--- a/2 - Presentaciones/P9 - Auditoría de Actividades en las Bases de Datos.pptx
+++ b/2 - Presentaciones/P9 - Auditoría de Actividades en las Bases de Datos.pptx
@@ -246,7 +246,7 @@
           <a:p>
             <a:fld id="{8303E75A-9A07-442E-B37C-236CF6CC8312}" type="datetimeFigureOut">
               <a:rPr lang="es-ES" smtClean="0"/>
-              <a:t>06/10/2017</a:t>
+              <a:t>07/03/2019</a:t>
             </a:fld>
             <a:endParaRPr lang="es-ES"/>
           </a:p>
@@ -557,6 +557,18 @@
           <a:bodyPr/>
           <a:lstStyle/>
           <a:p>
+            <a:r>
+              <a:rPr lang="es-ES" sz="1200" b="0" i="0" kern="1200" dirty="0">
+                <a:solidFill>
+                  <a:schemeClr val="tx1"/>
+                </a:solidFill>
+                <a:effectLst/>
+                <a:latin typeface="+mn-lt"/>
+                <a:ea typeface="+mn-ea"/>
+                <a:cs typeface="+mn-cs"/>
+              </a:rPr>
+              <a:t/>
+            </a:r>
             <a:br>
               <a:rPr lang="es-ES" sz="1200" b="0" i="0" kern="1200" dirty="0">
                 <a:solidFill>
@@ -1556,6 +1568,18 @@
           <a:bodyPr/>
           <a:lstStyle/>
           <a:p>
+            <a:r>
+              <a:rPr lang="es-ES" sz="1200" b="0" i="0" kern="1200" dirty="0">
+                <a:solidFill>
+                  <a:schemeClr val="tx1"/>
+                </a:solidFill>
+                <a:effectLst/>
+                <a:latin typeface="+mn-lt"/>
+                <a:ea typeface="+mn-ea"/>
+                <a:cs typeface="+mn-cs"/>
+              </a:rPr>
+              <a:t/>
+            </a:r>
             <a:br>
               <a:rPr lang="es-ES" sz="1200" b="0" i="0" kern="1200" dirty="0">
                 <a:solidFill>
@@ -2950,6 +2974,18 @@
           <a:bodyPr/>
           <a:lstStyle/>
           <a:p>
+            <a:r>
+              <a:rPr lang="es-ES" sz="1200" b="0" i="0" kern="1200" dirty="0">
+                <a:solidFill>
+                  <a:schemeClr val="tx1"/>
+                </a:solidFill>
+                <a:effectLst/>
+                <a:latin typeface="+mn-lt"/>
+                <a:ea typeface="+mn-ea"/>
+                <a:cs typeface="+mn-cs"/>
+              </a:rPr>
+              <a:t/>
+            </a:r>
             <a:br>
               <a:rPr lang="es-ES" sz="1200" b="0" i="0" kern="1200" dirty="0">
                 <a:solidFill>
@@ -3109,6 +3145,18 @@
           <a:bodyPr/>
           <a:lstStyle/>
           <a:p>
+            <a:r>
+              <a:rPr lang="es-ES" sz="1200" b="0" i="0" kern="1200" dirty="0">
+                <a:solidFill>
+                  <a:schemeClr val="tx1"/>
+                </a:solidFill>
+                <a:effectLst/>
+                <a:latin typeface="+mn-lt"/>
+                <a:ea typeface="+mn-ea"/>
+                <a:cs typeface="+mn-cs"/>
+              </a:rPr>
+              <a:t/>
+            </a:r>
             <a:br>
               <a:rPr lang="es-ES" sz="1200" b="0" i="0" kern="1200" dirty="0">
                 <a:solidFill>
@@ -4292,7 +4340,7 @@
           <a:p>
             <a:fld id="{D3894DB5-813C-4A14-8D76-6C2C271FB310}" type="datetimeFigureOut">
               <a:rPr lang="es-ES" smtClean="0"/>
-              <a:t>06/10/2017</a:t>
+              <a:t>07/03/2019</a:t>
             </a:fld>
             <a:endParaRPr lang="es-ES"/>
           </a:p>
@@ -4588,7 +4636,7 @@
           <a:p>
             <a:fld id="{D3894DB5-813C-4A14-8D76-6C2C271FB310}" type="datetimeFigureOut">
               <a:rPr lang="es-ES" smtClean="0"/>
-              <a:t>06/10/2017</a:t>
+              <a:t>07/03/2019</a:t>
             </a:fld>
             <a:endParaRPr lang="es-ES"/>
           </a:p>
@@ -4836,7 +4884,7 @@
           <a:p>
             <a:fld id="{D3894DB5-813C-4A14-8D76-6C2C271FB310}" type="datetimeFigureOut">
               <a:rPr lang="es-ES" smtClean="0"/>
-              <a:t>06/10/2017</a:t>
+              <a:t>07/03/2019</a:t>
             </a:fld>
             <a:endParaRPr lang="es-ES"/>
           </a:p>
@@ -5376,7 +5424,7 @@
           <a:p>
             <a:fld id="{D3894DB5-813C-4A14-8D76-6C2C271FB310}" type="datetimeFigureOut">
               <a:rPr lang="es-ES" smtClean="0"/>
-              <a:t>06/10/2017</a:t>
+              <a:t>07/03/2019</a:t>
             </a:fld>
             <a:endParaRPr lang="es-ES"/>
           </a:p>
@@ -5624,7 +5672,7 @@
           <a:p>
             <a:fld id="{D3894DB5-813C-4A14-8D76-6C2C271FB310}" type="datetimeFigureOut">
               <a:rPr lang="es-ES" smtClean="0"/>
-              <a:t>06/10/2017</a:t>
+              <a:t>07/03/2019</a:t>
             </a:fld>
             <a:endParaRPr lang="es-ES"/>
           </a:p>
@@ -6156,7 +6204,7 @@
           <a:p>
             <a:fld id="{D3894DB5-813C-4A14-8D76-6C2C271FB310}" type="datetimeFigureOut">
               <a:rPr lang="es-ES" smtClean="0"/>
-              <a:t>06/10/2017</a:t>
+              <a:t>07/03/2019</a:t>
             </a:fld>
             <a:endParaRPr lang="es-ES"/>
           </a:p>
@@ -6453,7 +6501,7 @@
           <a:p>
             <a:fld id="{D3894DB5-813C-4A14-8D76-6C2C271FB310}" type="datetimeFigureOut">
               <a:rPr lang="es-ES" smtClean="0"/>
-              <a:t>06/10/2017</a:t>
+              <a:t>07/03/2019</a:t>
             </a:fld>
             <a:endParaRPr lang="es-ES"/>
           </a:p>
@@ -6627,7 +6675,7 @@
           <a:p>
             <a:fld id="{D3894DB5-813C-4A14-8D76-6C2C271FB310}" type="datetimeFigureOut">
               <a:rPr lang="es-ES" smtClean="0"/>
-              <a:t>06/10/2017</a:t>
+              <a:t>07/03/2019</a:t>
             </a:fld>
             <a:endParaRPr lang="es-ES"/>
           </a:p>
@@ -6807,7 +6855,7 @@
           <a:p>
             <a:fld id="{D3894DB5-813C-4A14-8D76-6C2C271FB310}" type="datetimeFigureOut">
               <a:rPr lang="es-ES" smtClean="0"/>
-              <a:t>06/10/2017</a:t>
+              <a:t>07/03/2019</a:t>
             </a:fld>
             <a:endParaRPr lang="es-ES"/>
           </a:p>
@@ -6977,7 +7025,7 @@
           <a:p>
             <a:fld id="{D3894DB5-813C-4A14-8D76-6C2C271FB310}" type="datetimeFigureOut">
               <a:rPr lang="es-ES" smtClean="0"/>
-              <a:t>06/10/2017</a:t>
+              <a:t>07/03/2019</a:t>
             </a:fld>
             <a:endParaRPr lang="es-ES"/>
           </a:p>
@@ -7228,7 +7276,7 @@
           <a:p>
             <a:fld id="{D3894DB5-813C-4A14-8D76-6C2C271FB310}" type="datetimeFigureOut">
               <a:rPr lang="es-ES" smtClean="0"/>
-              <a:t>06/10/2017</a:t>
+              <a:t>07/03/2019</a:t>
             </a:fld>
             <a:endParaRPr lang="es-ES"/>
           </a:p>
@@ -7525,7 +7573,7 @@
           <a:p>
             <a:fld id="{D3894DB5-813C-4A14-8D76-6C2C271FB310}" type="datetimeFigureOut">
               <a:rPr lang="es-ES" smtClean="0"/>
-              <a:t>06/10/2017</a:t>
+              <a:t>07/03/2019</a:t>
             </a:fld>
             <a:endParaRPr lang="es-ES"/>
           </a:p>
@@ -7967,7 +8015,7 @@
           <a:p>
             <a:fld id="{D3894DB5-813C-4A14-8D76-6C2C271FB310}" type="datetimeFigureOut">
               <a:rPr lang="es-ES" smtClean="0"/>
-              <a:t>06/10/2017</a:t>
+              <a:t>07/03/2019</a:t>
             </a:fld>
             <a:endParaRPr lang="es-ES"/>
           </a:p>
@@ -8085,7 +8133,7 @@
           <a:p>
             <a:fld id="{D3894DB5-813C-4A14-8D76-6C2C271FB310}" type="datetimeFigureOut">
               <a:rPr lang="es-ES" smtClean="0"/>
-              <a:t>06/10/2017</a:t>
+              <a:t>07/03/2019</a:t>
             </a:fld>
             <a:endParaRPr lang="es-ES"/>
           </a:p>
@@ -8180,7 +8228,7 @@
           <a:p>
             <a:fld id="{D3894DB5-813C-4A14-8D76-6C2C271FB310}" type="datetimeFigureOut">
               <a:rPr lang="es-ES" smtClean="0"/>
-              <a:t>06/10/2017</a:t>
+              <a:t>07/03/2019</a:t>
             </a:fld>
             <a:endParaRPr lang="es-ES"/>
           </a:p>
@@ -8463,7 +8511,7 @@
           <a:p>
             <a:fld id="{D3894DB5-813C-4A14-8D76-6C2C271FB310}" type="datetimeFigureOut">
               <a:rPr lang="es-ES" smtClean="0"/>
-              <a:t>06/10/2017</a:t>
+              <a:t>07/03/2019</a:t>
             </a:fld>
             <a:endParaRPr lang="es-ES"/>
           </a:p>
@@ -8754,7 +8802,7 @@
           <a:p>
             <a:fld id="{D3894DB5-813C-4A14-8D76-6C2C271FB310}" type="datetimeFigureOut">
               <a:rPr lang="es-ES" smtClean="0"/>
-              <a:t>06/10/2017</a:t>
+              <a:t>07/03/2019</a:t>
             </a:fld>
             <a:endParaRPr lang="es-ES"/>
           </a:p>
@@ -9284,7 +9332,7 @@
           <a:p>
             <a:fld id="{D3894DB5-813C-4A14-8D76-6C2C271FB310}" type="datetimeFigureOut">
               <a:rPr lang="es-ES" smtClean="0"/>
-              <a:t>06/10/2017</a:t>
+              <a:t>07/03/2019</a:t>
             </a:fld>
             <a:endParaRPr lang="es-ES"/>
           </a:p>
@@ -10945,6 +10993,10 @@
               <a:rPr lang="en-US" dirty="0" err="1"/>
               <a:t>DDL</a:t>
             </a:r>
+            <a:r>
+              <a:rPr lang="en-US" dirty="0"/>
+              <a:t/>
+            </a:r>
             <a:br>
               <a:rPr lang="en-US" dirty="0"/>
             </a:br>
@@ -11054,6 +11106,10 @@
               <a:rPr lang="en-US" dirty="0" err="1"/>
               <a:t>DDL</a:t>
             </a:r>
+            <a:r>
+              <a:rPr lang="en-US" dirty="0"/>
+              <a:t/>
+            </a:r>
             <a:br>
               <a:rPr lang="en-US" dirty="0"/>
             </a:br>
@@ -11146,6 +11202,10 @@
             <a:r>
               <a:rPr lang="es-ES" dirty="0"/>
               <a:t>Auditando Código</a:t>
+            </a:r>
+            <a:r>
+              <a:rPr lang="en-US" dirty="0"/>
+              <a:t/>
             </a:r>
             <a:br>
               <a:rPr lang="en-US" dirty="0"/>
@@ -11262,6 +11322,10 @@
               <a:rPr lang="es-ES" dirty="0"/>
               <a:t>Auditando Código</a:t>
             </a:r>
+            <a:r>
+              <a:rPr lang="en-US" dirty="0"/>
+              <a:t/>
+            </a:r>
             <a:br>
               <a:rPr lang="en-US" dirty="0"/>
             </a:br>
@@ -11359,6 +11423,10 @@
               <a:rPr lang="es-ES" dirty="0"/>
               <a:t>Auditando Código</a:t>
             </a:r>
+            <a:r>
+              <a:rPr lang="en-US" dirty="0"/>
+              <a:t/>
+            </a:r>
             <a:br>
               <a:rPr lang="en-US" dirty="0"/>
             </a:br>
@@ -11462,6 +11530,10 @@
               <a:rPr lang="es-ES" dirty="0"/>
               <a:t>Auditando Código</a:t>
             </a:r>
+            <a:r>
+              <a:rPr lang="en-US" dirty="0"/>
+              <a:t/>
+            </a:r>
             <a:br>
               <a:rPr lang="en-US" dirty="0"/>
             </a:br>
@@ -11556,6 +11628,10 @@
             <a:r>
               <a:rPr lang="es-ES" dirty="0"/>
               <a:t>Auditando Código</a:t>
+            </a:r>
+            <a:r>
+              <a:rPr lang="en-US" dirty="0"/>
+              <a:t/>
             </a:r>
             <a:br>
               <a:rPr lang="en-US" dirty="0"/>
@@ -12953,6 +13029,10 @@
               <a:rPr lang="es-ES" dirty="0"/>
               <a:t>Auditando Código</a:t>
             </a:r>
+            <a:r>
+              <a:rPr lang="en-US" dirty="0"/>
+              <a:t/>
+            </a:r>
             <a:br>
               <a:rPr lang="en-US" dirty="0"/>
             </a:br>
@@ -14247,6 +14327,10 @@
               <a:rPr lang="es-ES" sz="3100"/>
               <a:t>Auditando Actividades de la Base de Datos</a:t>
             </a:r>
+            <a:r>
+              <a:rPr lang="en-US" sz="3100"/>
+              <a:t/>
+            </a:r>
             <a:br>
               <a:rPr lang="en-US" sz="3100"/>
             </a:br>
@@ -15591,6 +15675,10 @@
               <a:rPr lang="es-ES" sz="3100"/>
               <a:t>Auditando Actividades de la Base de Datos</a:t>
             </a:r>
+            <a:r>
+              <a:rPr lang="en-US" sz="3100"/>
+              <a:t/>
+            </a:r>
             <a:br>
               <a:rPr lang="en-US" sz="3100"/>
             </a:br>
@@ -15726,6 +15814,10 @@
             <a:r>
               <a:rPr lang="es-ES" dirty="0" err="1"/>
               <a:t>DDL</a:t>
+            </a:r>
+            <a:r>
+              <a:rPr lang="en-US" dirty="0"/>
+              <a:t/>
             </a:r>
             <a:br>
               <a:rPr lang="en-US" dirty="0"/>
@@ -15845,6 +15937,10 @@
             <a:r>
               <a:rPr lang="es-ES" dirty="0" err="1"/>
               <a:t>DDL</a:t>
+            </a:r>
+            <a:r>
+              <a:rPr lang="en-US" dirty="0"/>
+              <a:t/>
             </a:r>
             <a:br>
               <a:rPr lang="en-US" dirty="0"/>
@@ -15980,6 +16076,10 @@
               <a:rPr lang="es-ES" dirty="0"/>
               <a:t> Ejemplo</a:t>
             </a:r>
+            <a:r>
+              <a:rPr lang="en-US" dirty="0"/>
+              <a:t/>
+            </a:r>
             <a:br>
               <a:rPr lang="en-US" dirty="0"/>
             </a:br>
@@ -16085,6 +16185,10 @@
               <a:rPr lang="es-ES" dirty="0"/>
               <a:t> Ejemplo</a:t>
             </a:r>
+            <a:r>
+              <a:rPr lang="en-US" dirty="0"/>
+              <a:t/>
+            </a:r>
             <a:br>
               <a:rPr lang="en-US" dirty="0"/>
             </a:br>
@@ -16190,6 +16294,10 @@
               <a:rPr lang="es-ES" dirty="0"/>
               <a:t> Ejemplo</a:t>
             </a:r>
+            <a:r>
+              <a:rPr lang="en-US" dirty="0"/>
+              <a:t/>
+            </a:r>
             <a:br>
               <a:rPr lang="en-US" dirty="0"/>
             </a:br>
@@ -16295,6 +16403,10 @@
               <a:rPr lang="es-ES" dirty="0"/>
               <a:t> Ejemplo</a:t>
             </a:r>
+            <a:r>
+              <a:rPr lang="en-US" dirty="0"/>
+              <a:t/>
+            </a:r>
             <a:br>
               <a:rPr lang="en-US" dirty="0"/>
             </a:br>
@@ -16399,6 +16511,10 @@
             <a:r>
               <a:rPr lang="es-ES" dirty="0"/>
               <a:t> Ejemplo</a:t>
+            </a:r>
+            <a:r>
+              <a:rPr lang="en-US" dirty="0"/>
+              <a:t/>
             </a:r>
             <a:br>
               <a:rPr lang="en-US" dirty="0"/>
@@ -17845,6 +17961,10 @@
               <a:rPr lang="es-ES" dirty="0"/>
               <a:t> Ejemplo</a:t>
             </a:r>
+            <a:r>
+              <a:rPr lang="en-US" dirty="0"/>
+              <a:t/>
+            </a:r>
             <a:br>
               <a:rPr lang="en-US" dirty="0"/>
             </a:br>
@@ -17950,6 +18070,10 @@
               <a:rPr lang="es-ES" dirty="0"/>
               <a:t> Ejemplo</a:t>
             </a:r>
+            <a:r>
+              <a:rPr lang="en-US" dirty="0"/>
+              <a:t/>
+            </a:r>
             <a:br>
               <a:rPr lang="en-US" dirty="0"/>
             </a:br>
@@ -18055,6 +18179,10 @@
               <a:rPr lang="es-ES" dirty="0"/>
               <a:t> Ejemplo 2</a:t>
             </a:r>
+            <a:r>
+              <a:rPr lang="en-US" dirty="0"/>
+              <a:t/>
+            </a:r>
             <a:br>
               <a:rPr lang="en-US" dirty="0"/>
             </a:br>
@@ -18165,6 +18293,10 @@
               <a:rPr lang="es-ES" dirty="0"/>
               <a:t> Ejemplo 2</a:t>
             </a:r>
+            <a:r>
+              <a:rPr lang="en-US" dirty="0"/>
+              <a:t/>
+            </a:r>
             <a:br>
               <a:rPr lang="en-US" dirty="0"/>
             </a:br>
@@ -18270,6 +18402,10 @@
               <a:rPr lang="es-ES" dirty="0"/>
               <a:t> Ejemplo 2</a:t>
             </a:r>
+            <a:r>
+              <a:rPr lang="en-US" dirty="0"/>
+              <a:t/>
+            </a:r>
             <a:br>
               <a:rPr lang="en-US" dirty="0"/>
             </a:br>
@@ -18375,6 +18511,10 @@
               <a:rPr lang="es-ES" dirty="0"/>
               <a:t> Ejemplo 2</a:t>
             </a:r>
+            <a:r>
+              <a:rPr lang="en-US" dirty="0"/>
+              <a:t/>
+            </a:r>
             <a:br>
               <a:rPr lang="en-US" dirty="0"/>
             </a:br>
@@ -18467,6 +18607,10 @@
             <a:r>
               <a:rPr lang="es-ES" dirty="0"/>
               <a:t>Auditando Actividades DCL</a:t>
+            </a:r>
+            <a:r>
+              <a:rPr lang="en-US" dirty="0"/>
+              <a:t/>
             </a:r>
             <a:br>
               <a:rPr lang="en-US" dirty="0"/>
@@ -18565,6 +18709,10 @@
               <a:rPr lang="es-ES" dirty="0"/>
               <a:t>Auditando Actividades DCL</a:t>
             </a:r>
+            <a:r>
+              <a:rPr lang="en-US" dirty="0"/>
+              <a:t/>
+            </a:r>
             <a:br>
               <a:rPr lang="en-US" dirty="0"/>
             </a:br>
@@ -18661,6 +18809,10 @@
             <a:r>
               <a:rPr lang="es-ES" dirty="0"/>
               <a:t>Auditando Actividades DCL</a:t>
+            </a:r>
+            <a:r>
+              <a:rPr lang="en-US" dirty="0"/>
+              <a:t/>
             </a:r>
             <a:br>
               <a:rPr lang="en-US" dirty="0"/>
@@ -21857,6 +22009,10 @@
             <a:pPr marL="0" indent="0">
               <a:buNone/>
             </a:pPr>
+            <a:r>
+              <a:rPr lang="fr-FR" sz="4000" dirty="0"/>
+              <a:t/>
+            </a:r>
             <a:br>
               <a:rPr lang="fr-FR" sz="4000" dirty="0"/>
             </a:br>
@@ -23614,12 +23770,8 @@
           <a:lstStyle/>
           <a:p>
             <a:r>
-              <a:rPr lang="es-ES" dirty="0" err="1"/>
-              <a:t>CreaNdo</a:t>
-            </a:r>
-            <a:r>
-              <a:rPr lang="es-ES" dirty="0"/>
-              <a:t> </a:t>
+              <a:rPr lang="es-ES" dirty="0" smtClean="0"/>
+              <a:t>Creando </a:t>
             </a:r>
             <a:r>
               <a:rPr lang="es-ES" dirty="0" err="1"/>
